--- a/document/项目部实施方案.pptx
+++ b/document/项目部实施方案.pptx
@@ -27,7 +27,8 @@
     <p:sldId id="1360" r:id="rId20"/>
     <p:sldId id="1361" r:id="rId21"/>
     <p:sldId id="1380" r:id="rId22"/>
-    <p:sldId id="1015" r:id="rId23"/>
+    <p:sldId id="1382" r:id="rId23"/>
+    <p:sldId id="1015" r:id="rId24"/>
   </p:sldIdLst>
   <p:sldSz cx="9144000" cy="6858000" type="screen4x3"/>
   <p:notesSz cx="6858000" cy="9144000"/>
@@ -1295,6 +1296,80 @@
 </file>
 
 <file path=ppt/notesSlides/notesSlide18.xml><?xml version="1.0" encoding="utf-8"?>
+<p:notes xmlns:a="http://schemas.openxmlformats.org/drawingml/2006/main" xmlns:r="http://schemas.openxmlformats.org/officeDocument/2006/relationships" xmlns:p="http://schemas.openxmlformats.org/presentationml/2006/main" showMasterSp="0">
+  <p:cSld>
+    <p:bg bwMode="auto">
+      <p:bgPr>
+        <a:solidFill>
+          <a:srgbClr val="FFFFFF"/>
+        </a:solidFill>
+        <a:effectLst/>
+      </p:bgPr>
+    </p:bg>
+    <p:spTree>
+      <p:nvGrpSpPr>
+        <p:cNvPr id="1" name=""/>
+        <p:cNvGrpSpPr/>
+        <p:nvPr/>
+      </p:nvGrpSpPr>
+      <p:grpSpPr>
+        <a:xfrm>
+          <a:off x="0" y="0"/>
+          <a:ext cx="0" cy="0"/>
+          <a:chOff x="0" y="0"/>
+          <a:chExt cx="0" cy="0"/>
+        </a:xfrm>
+      </p:grpSpPr>
+      <p:sp>
+        <p:nvSpPr>
+          <p:cNvPr id="19458" name="幻灯片图像占位符 17409"/>
+          <p:cNvSpPr>
+            <a:spLocks noGrp="1" noRot="1" noChangeAspect="1" noChangeArrowheads="1" noTextEdit="1"/>
+          </p:cNvSpPr>
+          <p:nvPr>
+            <p:ph type="sldImg" idx="4294967295"/>
+          </p:nvPr>
+        </p:nvSpPr>
+        <p:spPr/>
+      </p:sp>
+      <p:sp>
+        <p:nvSpPr>
+          <p:cNvPr id="19459" name="文本占位符 17410"/>
+          <p:cNvSpPr>
+            <a:spLocks noGrp="1" noChangeArrowheads="1"/>
+          </p:cNvSpPr>
+          <p:nvPr>
+            <p:ph type="body" idx="4294967295"/>
+          </p:nvPr>
+        </p:nvSpPr>
+        <p:spPr/>
+        <p:txBody>
+          <a:bodyPr/>
+          <a:lstStyle/>
+          <a:p>
+            <a:r>
+              <a:rPr lang="zh-CN" altLang="en-US" sz="1000" smtClean="0">
+                <a:latin typeface="微软雅黑" panose="020B0503020204020204" pitchFamily="34" charset="-122"/>
+                <a:ea typeface="微软雅黑" panose="020B0503020204020204" pitchFamily="34" charset="-122"/>
+              </a:rPr>
+              <a:t>       第二部分是产品定位，</a:t>
+            </a:r>
+            <a:endParaRPr lang="zh-CN" altLang="en-US" sz="1000" smtClean="0">
+              <a:latin typeface="微软雅黑" panose="020B0503020204020204" pitchFamily="34" charset="-122"/>
+              <a:ea typeface="微软雅黑" panose="020B0503020204020204" pitchFamily="34" charset="-122"/>
+            </a:endParaRPr>
+          </a:p>
+        </p:txBody>
+      </p:sp>
+    </p:spTree>
+  </p:cSld>
+  <p:clrMapOvr>
+    <a:overrideClrMapping bg1="lt1" tx1="dk1" bg2="lt2" tx2="dk2" accent1="accent1" accent2="accent2" accent3="accent3" accent4="accent4" accent5="accent5" accent6="accent6" hlink="hlink" folHlink="folHlink"/>
+  </p:clrMapOvr>
+</p:notes>
+</file>
+
+<file path=ppt/notesSlides/notesSlide19.xml><?xml version="1.0" encoding="utf-8"?>
 <p:notes xmlns:a="http://schemas.openxmlformats.org/drawingml/2006/main" xmlns:r="http://schemas.openxmlformats.org/officeDocument/2006/relationships" xmlns:p="http://schemas.openxmlformats.org/presentationml/2006/main" showMasterSp="0">
   <p:cSld>
     <p:bg bwMode="auto">
@@ -7283,6 +7358,262 @@
 </file>
 
 <file path=ppt/slides/slide20.xml><?xml version="1.0" encoding="utf-8"?>
+<p:sld xmlns:a="http://schemas.openxmlformats.org/drawingml/2006/main" xmlns:r="http://schemas.openxmlformats.org/officeDocument/2006/relationships" xmlns:p="http://schemas.openxmlformats.org/presentationml/2006/main">
+  <p:cSld>
+    <p:spTree>
+      <p:nvGrpSpPr>
+        <p:cNvPr id="1" name=""/>
+        <p:cNvGrpSpPr/>
+        <p:nvPr/>
+      </p:nvGrpSpPr>
+      <p:grpSpPr>
+        <a:xfrm>
+          <a:off x="0" y="0"/>
+          <a:ext cx="0" cy="0"/>
+          <a:chOff x="0" y="0"/>
+          <a:chExt cx="0" cy="0"/>
+        </a:xfrm>
+      </p:grpSpPr>
+      <p:sp>
+        <p:nvSpPr>
+          <p:cNvPr id="18433" name="矩形 4"/>
+          <p:cNvSpPr>
+            <a:spLocks noChangeArrowheads="1"/>
+          </p:cNvSpPr>
+          <p:nvPr/>
+        </p:nvSpPr>
+        <p:spPr bwMode="auto">
+          <a:xfrm>
+            <a:off x="0" y="2510155"/>
+            <a:ext cx="9144000" cy="1114425"/>
+          </a:xfrm>
+          <a:prstGeom prst="rect">
+            <a:avLst/>
+          </a:prstGeom>
+          <a:solidFill>
+            <a:srgbClr val="003894"/>
+          </a:solidFill>
+          <a:ln w="9525">
+            <a:noFill/>
+            <a:miter lim="800000"/>
+          </a:ln>
+        </p:spPr>
+        <p:txBody>
+          <a:bodyPr lIns="360045" tIns="46990" rIns="90170" bIns="46990" anchor="ctr"/>
+          <a:lstStyle/>
+          <a:p>
+            <a:pPr algn="ctr"/>
+            <a:r>
+              <a:rPr lang="zh-CN" altLang="en-US" sz="3600" b="1" smtClean="0">
+                <a:solidFill>
+                  <a:srgbClr val="FFFFFF"/>
+                </a:solidFill>
+                <a:latin typeface="Arial Black" panose="020B0A04020102020204" pitchFamily="34" charset="0"/>
+                <a:ea typeface="微软雅黑" panose="020B0503020204020204" pitchFamily="34" charset="-122"/>
+              </a:rPr>
+              <a:t>关于项目部的问题</a:t>
+            </a:r>
+            <a:endParaRPr lang="zh-CN" altLang="en-US" sz="3600" b="1" smtClean="0">
+              <a:solidFill>
+                <a:srgbClr val="FFFFFF"/>
+              </a:solidFill>
+              <a:latin typeface="Arial Black" panose="020B0A04020102020204" pitchFamily="34" charset="0"/>
+              <a:ea typeface="微软雅黑" panose="020B0503020204020204" pitchFamily="34" charset="-122"/>
+            </a:endParaRPr>
+          </a:p>
+        </p:txBody>
+      </p:sp>
+      <p:sp>
+        <p:nvSpPr>
+          <p:cNvPr id="18434" name="矩形 5"/>
+          <p:cNvSpPr>
+            <a:spLocks noChangeArrowheads="1"/>
+          </p:cNvSpPr>
+          <p:nvPr/>
+        </p:nvSpPr>
+        <p:spPr bwMode="auto">
+          <a:xfrm>
+            <a:off x="0" y="2509838"/>
+            <a:ext cx="550863" cy="1114425"/>
+          </a:xfrm>
+          <a:prstGeom prst="rect">
+            <a:avLst/>
+          </a:prstGeom>
+          <a:solidFill>
+            <a:srgbClr val="003894"/>
+          </a:solidFill>
+          <a:ln w="9525">
+            <a:noFill/>
+            <a:miter lim="800000"/>
+          </a:ln>
+        </p:spPr>
+        <p:txBody>
+          <a:bodyPr lIns="90170" tIns="46990" rIns="90170" bIns="46990" anchor="ctr"/>
+          <a:lstStyle/>
+          <a:p>
+            <a:pPr algn="ctr"/>
+            <a:endParaRPr lang="zh-CN" altLang="en-US" sz="1800">
+              <a:solidFill>
+                <a:srgbClr val="FFFFFF"/>
+              </a:solidFill>
+              <a:latin typeface="Calibri" panose="020F0502020204030204" pitchFamily="34" charset="0"/>
+              <a:ea typeface="幼圆" panose="02010509060101010101" pitchFamily="49" charset="-122"/>
+            </a:endParaRPr>
+          </a:p>
+        </p:txBody>
+      </p:sp>
+      <p:sp>
+        <p:nvSpPr>
+          <p:cNvPr id="18435" name="矩形 5"/>
+          <p:cNvSpPr>
+            <a:spLocks noChangeArrowheads="1"/>
+          </p:cNvSpPr>
+          <p:nvPr/>
+        </p:nvSpPr>
+        <p:spPr bwMode="auto">
+          <a:xfrm>
+            <a:off x="0" y="2510155"/>
+            <a:ext cx="1508760" cy="1114425"/>
+          </a:xfrm>
+          <a:prstGeom prst="rect">
+            <a:avLst/>
+          </a:prstGeom>
+          <a:solidFill>
+            <a:srgbClr val="003894"/>
+          </a:solidFill>
+          <a:ln w="9525">
+            <a:noFill/>
+            <a:miter lim="800000"/>
+          </a:ln>
+        </p:spPr>
+        <p:txBody>
+          <a:bodyPr lIns="90170" tIns="46990" rIns="90170" bIns="46990" anchor="ctr"/>
+          <a:lstStyle/>
+          <a:p>
+            <a:pPr algn="ctr"/>
+            <a:endParaRPr lang="zh-CN" altLang="en-US" sz="1800">
+              <a:solidFill>
+                <a:srgbClr val="FFFFFF"/>
+              </a:solidFill>
+              <a:latin typeface="Calibri" panose="020F0502020204030204" pitchFamily="34" charset="0"/>
+              <a:ea typeface="幼圆" panose="02010509060101010101" pitchFamily="49" charset="-122"/>
+            </a:endParaRPr>
+          </a:p>
+        </p:txBody>
+      </p:sp>
+      <p:sp>
+        <p:nvSpPr>
+          <p:cNvPr id="18436" name="文本占位符 9"/>
+          <p:cNvSpPr txBox="1">
+            <a:spLocks noChangeArrowheads="1"/>
+          </p:cNvSpPr>
+          <p:nvPr/>
+        </p:nvSpPr>
+        <p:spPr bwMode="auto">
+          <a:xfrm>
+            <a:off x="550863" y="2509838"/>
+            <a:ext cx="773112" cy="1114425"/>
+          </a:xfrm>
+          <a:prstGeom prst="rect">
+            <a:avLst/>
+          </a:prstGeom>
+          <a:noFill/>
+          <a:ln w="9525">
+            <a:noFill/>
+            <a:miter lim="800000"/>
+          </a:ln>
+        </p:spPr>
+        <p:txBody>
+          <a:bodyPr lIns="0" tIns="0" rIns="0" bIns="0" anchor="ctr"/>
+          <a:lstStyle/>
+          <a:p>
+            <a:pPr algn="ctr">
+              <a:buClr>
+                <a:srgbClr val="963B22"/>
+              </a:buClr>
+              <a:buSzPct val="60000"/>
+              <a:buFont typeface="Wingdings" panose="05000000000000000000" pitchFamily="2" charset="2"/>
+              <a:buNone/>
+            </a:pPr>
+            <a:endParaRPr lang="en-US" sz="4000">
+              <a:solidFill>
+                <a:srgbClr val="003894"/>
+              </a:solidFill>
+            </a:endParaRPr>
+          </a:p>
+        </p:txBody>
+      </p:sp>
+      <p:sp>
+        <p:nvSpPr>
+          <p:cNvPr id="8" name="Rectangle 2"/>
+          <p:cNvSpPr>
+            <a:spLocks noGrp="1" noChangeArrowheads="1"/>
+          </p:cNvSpPr>
+          <p:nvPr/>
+        </p:nvSpPr>
+        <p:spPr bwMode="auto">
+          <a:xfrm>
+            <a:off x="4156075" y="498475"/>
+            <a:ext cx="4781550" cy="584200"/>
+          </a:xfrm>
+          <a:prstGeom prst="rect">
+            <a:avLst/>
+          </a:prstGeom>
+          <a:noFill/>
+          <a:ln w="9525">
+            <a:noFill/>
+            <a:miter lim="800000"/>
+          </a:ln>
+        </p:spPr>
+        <p:txBody>
+          <a:bodyPr lIns="90170" tIns="46990" rIns="90170" bIns="46990"/>
+          <a:lstStyle/>
+          <a:p>
+            <a:pPr marL="342900" indent="-342900" algn="r">
+              <a:lnSpc>
+                <a:spcPct val="80000"/>
+              </a:lnSpc>
+              <a:spcBef>
+                <a:spcPct val="20000"/>
+              </a:spcBef>
+            </a:pPr>
+            <a:r>
+              <a:rPr lang="zh-CN" altLang="en-US" sz="2200">
+                <a:solidFill>
+                  <a:srgbClr val="FF0000"/>
+                </a:solidFill>
+                <a:ea typeface="黑体" panose="02010609060101010101" pitchFamily="49" charset="-122"/>
+              </a:rPr>
+              <a:t>北京盛邦升华信息技术服务有限公司</a:t>
+            </a:r>
+            <a:endParaRPr lang="zh-CN" altLang="en-US" sz="2200">
+              <a:solidFill>
+                <a:srgbClr val="FF0000"/>
+              </a:solidFill>
+              <a:ea typeface="黑体" panose="02010609060101010101" pitchFamily="49" charset="-122"/>
+            </a:endParaRPr>
+          </a:p>
+        </p:txBody>
+      </p:sp>
+    </p:spTree>
+  </p:cSld>
+  <p:clrMapOvr>
+    <a:masterClrMapping/>
+  </p:clrMapOvr>
+  <p:transition>
+    <p:split orient="vert" dir="in"/>
+  </p:transition>
+  <p:timing>
+    <p:tnLst>
+      <p:par>
+        <p:cTn id="1" dur="indefinite" restart="never" nodeType="tmRoot"/>
+      </p:par>
+    </p:tnLst>
+  </p:timing>
+</p:sld>
+</file>
+
+<file path=ppt/slides/slide21.xml><?xml version="1.0" encoding="utf-8"?>
 <p:sld xmlns:a="http://schemas.openxmlformats.org/drawingml/2006/main" xmlns:r="http://schemas.openxmlformats.org/officeDocument/2006/relationships" xmlns:p="http://schemas.openxmlformats.org/presentationml/2006/main">
   <p:cSld>
     <p:spTree>
